--- a/examples/permutations/permutation-slides.pptx
+++ b/examples/permutations/permutation-slides.pptx
@@ -4092,7 +4092,7 @@
         </ns0:blipFill>
         <ns0:spPr>
           <ns1:xfrm>
-            <ns1:off x="5943600" y="4500000"/>
+            <ns1:off x="5943600" y="4943600"/>
             <ns1:ext cx="304800" cy="304800"/>
           </ns1:xfrm>
           <ns1:prstGeom prst="rect">
@@ -4117,12 +4117,15 @@
                     <ns0:cTn id="3" fill="hold">
                       <ns0:stCondLst>
                         <ns0:cond delay="indefinite"/>
+                        <ns0:cond evt="onBegin" delay="0">
+                          <ns0:tn val="2"/>
+                        </ns0:cond>
                       </ns0:stCondLst>
                       <ns0:childTnLst>
                         <ns0:par>
                           <ns0:cTn id="4" fill="hold">
                             <ns0:stCondLst>
-                              <ns0:cond evt="onBegin"/>
+                              <ns0:cond delay="0"/>
                             </ns0:stCondLst>
                             <ns0:childTnLst>
                               <ns0:par>
@@ -4133,7 +4136,7 @@
                                   <ns0:childTnLst>
                                     <ns0:cmd type="call" cmd="playFrom(0.0)">
                                       <ns0:cBhvr>
-                                        <ns0:cTn id="6" dur="15072" fill="hold"/>
+                                        <ns0:cTn id="6" dur="64182" fill="hold"/>
                                         <ns0:tgtEl>
                                           <ns0:spTgt spid="4"/>
                                         </ns0:tgtEl>
@@ -4150,6 +4153,20 @@
                   </ns0:par>
                 </ns0:childTnLst>
               </ns0:cTn>
+              <ns0:prevCondLst>
+                <ns0:cond evt="onPrev" delay="0">
+                  <ns0:tgtEl>
+                    <ns0:sldTgt/>
+                  </ns0:tgtEl>
+                </ns0:cond>
+              </ns0:prevCondLst>
+              <ns0:nextCondLst>
+                <ns0:cond evt="onNext" delay="0">
+                  <ns0:tgtEl>
+                    <ns0:sldTgt/>
+                  </ns0:tgtEl>
+                </ns0:cond>
+              </ns0:nextCondLst>
             </ns0:seq>
             <ns0:audio>
               <ns0:cMediaNode vol="80000">
@@ -4157,6 +4174,13 @@
                   <ns0:stCondLst>
                     <ns0:cond delay="indefinite"/>
                   </ns0:stCondLst>
+                  <ns0:endCondLst>
+                    <ns0:cond evt="onStopAudio" delay="0">
+                      <ns0:tgtEl>
+                        <ns0:sldTgt/>
+                      </ns0:tgtEl>
+                    </ns0:cond>
+                  </ns0:endCondLst>
                 </ns0:cTn>
                 <ns0:tgtEl>
                   <ns0:spTgt spid="4"/>
@@ -4310,7 +4334,7 @@
         </ns0:blipFill>
         <ns0:spPr>
           <ns1:xfrm>
-            <ns1:off x="5943600" y="4500000"/>
+            <ns1:off x="5943600" y="4943600"/>
             <ns1:ext cx="304800" cy="304800"/>
           </ns1:xfrm>
           <ns1:prstGeom prst="rect">
@@ -4335,12 +4359,15 @@
                     <ns0:cTn id="3" fill="hold">
                       <ns0:stCondLst>
                         <ns0:cond delay="indefinite"/>
+                        <ns0:cond evt="onBegin" delay="0">
+                          <ns0:tn val="2"/>
+                        </ns0:cond>
                       </ns0:stCondLst>
                       <ns0:childTnLst>
                         <ns0:par>
                           <ns0:cTn id="4" fill="hold">
                             <ns0:stCondLst>
-                              <ns0:cond evt="onBegin"/>
+                              <ns0:cond delay="0"/>
                             </ns0:stCondLst>
                             <ns0:childTnLst>
                               <ns0:par>
@@ -4351,7 +4378,7 @@
                                   <ns0:childTnLst>
                                     <ns0:cmd type="call" cmd="playFrom(0.0)">
                                       <ns0:cBhvr>
-                                        <ns0:cTn id="6" dur="15072" fill="hold"/>
+                                        <ns0:cTn id="6" dur="64182" fill="hold"/>
                                         <ns0:tgtEl>
                                           <ns0:spTgt spid="4"/>
                                         </ns0:tgtEl>
@@ -4368,6 +4395,20 @@
                   </ns0:par>
                 </ns0:childTnLst>
               </ns0:cTn>
+              <ns0:prevCondLst>
+                <ns0:cond evt="onPrev" delay="0">
+                  <ns0:tgtEl>
+                    <ns0:sldTgt/>
+                  </ns0:tgtEl>
+                </ns0:cond>
+              </ns0:prevCondLst>
+              <ns0:nextCondLst>
+                <ns0:cond evt="onNext" delay="0">
+                  <ns0:tgtEl>
+                    <ns0:sldTgt/>
+                  </ns0:tgtEl>
+                </ns0:cond>
+              </ns0:nextCondLst>
             </ns0:seq>
             <ns0:audio>
               <ns0:cMediaNode vol="80000">
@@ -4375,6 +4416,13 @@
                   <ns0:stCondLst>
                     <ns0:cond delay="indefinite"/>
                   </ns0:stCondLst>
+                  <ns0:endCondLst>
+                    <ns0:cond evt="onStopAudio" delay="0">
+                      <ns0:tgtEl>
+                        <ns0:sldTgt/>
+                      </ns0:tgtEl>
+                    </ns0:cond>
+                  </ns0:endCondLst>
                 </ns0:cTn>
                 <ns0:tgtEl>
                   <ns0:spTgt spid="4"/>
@@ -4520,7 +4568,7 @@
         </ns0:blipFill>
         <ns0:spPr>
           <ns1:xfrm>
-            <ns1:off x="5943600" y="4500000"/>
+            <ns1:off x="5943600" y="4943600"/>
             <ns1:ext cx="304800" cy="304800"/>
           </ns1:xfrm>
           <ns1:prstGeom prst="rect">
@@ -4545,12 +4593,15 @@
                     <ns0:cTn id="3" fill="hold">
                       <ns0:stCondLst>
                         <ns0:cond delay="indefinite"/>
+                        <ns0:cond evt="onBegin" delay="0">
+                          <ns0:tn val="2"/>
+                        </ns0:cond>
                       </ns0:stCondLst>
                       <ns0:childTnLst>
                         <ns0:par>
                           <ns0:cTn id="4" fill="hold">
                             <ns0:stCondLst>
-                              <ns0:cond evt="onBegin"/>
+                              <ns0:cond delay="0"/>
                             </ns0:stCondLst>
                             <ns0:childTnLst>
                               <ns0:par>
@@ -4561,7 +4612,7 @@
                                   <ns0:childTnLst>
                                     <ns0:cmd type="call" cmd="playFrom(0.0)">
                                       <ns0:cBhvr>
-                                        <ns0:cTn id="6" dur="15072" fill="hold"/>
+                                        <ns0:cTn id="6" dur="64182" fill="hold"/>
                                         <ns0:tgtEl>
                                           <ns0:spTgt spid="4"/>
                                         </ns0:tgtEl>
@@ -4578,6 +4629,20 @@
                   </ns0:par>
                 </ns0:childTnLst>
               </ns0:cTn>
+              <ns0:prevCondLst>
+                <ns0:cond evt="onPrev" delay="0">
+                  <ns0:tgtEl>
+                    <ns0:sldTgt/>
+                  </ns0:tgtEl>
+                </ns0:cond>
+              </ns0:prevCondLst>
+              <ns0:nextCondLst>
+                <ns0:cond evt="onNext" delay="0">
+                  <ns0:tgtEl>
+                    <ns0:sldTgt/>
+                  </ns0:tgtEl>
+                </ns0:cond>
+              </ns0:nextCondLst>
             </ns0:seq>
             <ns0:audio>
               <ns0:cMediaNode vol="80000">
@@ -4585,6 +4650,13 @@
                   <ns0:stCondLst>
                     <ns0:cond delay="indefinite"/>
                   </ns0:stCondLst>
+                  <ns0:endCondLst>
+                    <ns0:cond evt="onStopAudio" delay="0">
+                      <ns0:tgtEl>
+                        <ns0:sldTgt/>
+                      </ns0:tgtEl>
+                    </ns0:cond>
+                  </ns0:endCondLst>
                 </ns0:cTn>
                 <ns0:tgtEl>
                   <ns0:spTgt spid="4"/>
@@ -4730,7 +4802,7 @@
         </ns0:blipFill>
         <ns0:spPr>
           <ns1:xfrm>
-            <ns1:off x="5943600" y="4500000"/>
+            <ns1:off x="5943600" y="4943600"/>
             <ns1:ext cx="304800" cy="304800"/>
           </ns1:xfrm>
           <ns1:prstGeom prst="rect">
@@ -4755,12 +4827,15 @@
                     <ns0:cTn id="3" fill="hold">
                       <ns0:stCondLst>
                         <ns0:cond delay="indefinite"/>
+                        <ns0:cond evt="onBegin" delay="0">
+                          <ns0:tn val="2"/>
+                        </ns0:cond>
                       </ns0:stCondLst>
                       <ns0:childTnLst>
                         <ns0:par>
                           <ns0:cTn id="4" fill="hold">
                             <ns0:stCondLst>
-                              <ns0:cond evt="onBegin"/>
+                              <ns0:cond delay="0"/>
                             </ns0:stCondLst>
                             <ns0:childTnLst>
                               <ns0:par>
@@ -4771,7 +4846,7 @@
                                   <ns0:childTnLst>
                                     <ns0:cmd type="call" cmd="playFrom(0.0)">
                                       <ns0:cBhvr>
-                                        <ns0:cTn id="6" dur="15072" fill="hold"/>
+                                        <ns0:cTn id="6" dur="64182" fill="hold"/>
                                         <ns0:tgtEl>
                                           <ns0:spTgt spid="4"/>
                                         </ns0:tgtEl>
@@ -4788,6 +4863,20 @@
                   </ns0:par>
                 </ns0:childTnLst>
               </ns0:cTn>
+              <ns0:prevCondLst>
+                <ns0:cond evt="onPrev" delay="0">
+                  <ns0:tgtEl>
+                    <ns0:sldTgt/>
+                  </ns0:tgtEl>
+                </ns0:cond>
+              </ns0:prevCondLst>
+              <ns0:nextCondLst>
+                <ns0:cond evt="onNext" delay="0">
+                  <ns0:tgtEl>
+                    <ns0:sldTgt/>
+                  </ns0:tgtEl>
+                </ns0:cond>
+              </ns0:nextCondLst>
             </ns0:seq>
             <ns0:audio>
               <ns0:cMediaNode vol="80000">
@@ -4795,6 +4884,13 @@
                   <ns0:stCondLst>
                     <ns0:cond delay="indefinite"/>
                   </ns0:stCondLst>
+                  <ns0:endCondLst>
+                    <ns0:cond evt="onStopAudio" delay="0">
+                      <ns0:tgtEl>
+                        <ns0:sldTgt/>
+                      </ns0:tgtEl>
+                    </ns0:cond>
+                  </ns0:endCondLst>
                 </ns0:cTn>
                 <ns0:tgtEl>
                   <ns0:spTgt spid="4"/>
@@ -4940,7 +5036,7 @@
         </ns0:blipFill>
         <ns0:spPr>
           <ns1:xfrm>
-            <ns1:off x="5943600" y="4500000"/>
+            <ns1:off x="5943600" y="4943600"/>
             <ns1:ext cx="304800" cy="304800"/>
           </ns1:xfrm>
           <ns1:prstGeom prst="rect">
@@ -4965,12 +5061,15 @@
                     <ns0:cTn id="3" fill="hold">
                       <ns0:stCondLst>
                         <ns0:cond delay="indefinite"/>
+                        <ns0:cond evt="onBegin" delay="0">
+                          <ns0:tn val="2"/>
+                        </ns0:cond>
                       </ns0:stCondLst>
                       <ns0:childTnLst>
                         <ns0:par>
                           <ns0:cTn id="4" fill="hold">
                             <ns0:stCondLst>
-                              <ns0:cond evt="onBegin"/>
+                              <ns0:cond delay="0"/>
                             </ns0:stCondLst>
                             <ns0:childTnLst>
                               <ns0:par>
@@ -4981,7 +5080,7 @@
                                   <ns0:childTnLst>
                                     <ns0:cmd type="call" cmd="playFrom(0.0)">
                                       <ns0:cBhvr>
-                                        <ns0:cTn id="6" dur="15072" fill="hold"/>
+                                        <ns0:cTn id="6" dur="64182" fill="hold"/>
                                         <ns0:tgtEl>
                                           <ns0:spTgt spid="4"/>
                                         </ns0:tgtEl>
@@ -4998,6 +5097,20 @@
                   </ns0:par>
                 </ns0:childTnLst>
               </ns0:cTn>
+              <ns0:prevCondLst>
+                <ns0:cond evt="onPrev" delay="0">
+                  <ns0:tgtEl>
+                    <ns0:sldTgt/>
+                  </ns0:tgtEl>
+                </ns0:cond>
+              </ns0:prevCondLst>
+              <ns0:nextCondLst>
+                <ns0:cond evt="onNext" delay="0">
+                  <ns0:tgtEl>
+                    <ns0:sldTgt/>
+                  </ns0:tgtEl>
+                </ns0:cond>
+              </ns0:nextCondLst>
             </ns0:seq>
             <ns0:audio>
               <ns0:cMediaNode vol="80000">
@@ -5005,6 +5118,13 @@
                   <ns0:stCondLst>
                     <ns0:cond delay="indefinite"/>
                   </ns0:stCondLst>
+                  <ns0:endCondLst>
+                    <ns0:cond evt="onStopAudio" delay="0">
+                      <ns0:tgtEl>
+                        <ns0:sldTgt/>
+                      </ns0:tgtEl>
+                    </ns0:cond>
+                  </ns0:endCondLst>
                 </ns0:cTn>
                 <ns0:tgtEl>
                   <ns0:spTgt spid="4"/>
@@ -5158,7 +5278,7 @@
         </ns0:blipFill>
         <ns0:spPr>
           <ns1:xfrm>
-            <ns1:off x="5943600" y="4500000"/>
+            <ns1:off x="5943600" y="4943600"/>
             <ns1:ext cx="304800" cy="304800"/>
           </ns1:xfrm>
           <ns1:prstGeom prst="rect">
@@ -5183,12 +5303,15 @@
                     <ns0:cTn id="3" fill="hold">
                       <ns0:stCondLst>
                         <ns0:cond delay="indefinite"/>
+                        <ns0:cond evt="onBegin" delay="0">
+                          <ns0:tn val="2"/>
+                        </ns0:cond>
                       </ns0:stCondLst>
                       <ns0:childTnLst>
                         <ns0:par>
                           <ns0:cTn id="4" fill="hold">
                             <ns0:stCondLst>
-                              <ns0:cond evt="onBegin"/>
+                              <ns0:cond delay="0"/>
                             </ns0:stCondLst>
                             <ns0:childTnLst>
                               <ns0:par>
@@ -5199,7 +5322,7 @@
                                   <ns0:childTnLst>
                                     <ns0:cmd type="call" cmd="playFrom(0.0)">
                                       <ns0:cBhvr>
-                                        <ns0:cTn id="6" dur="15072" fill="hold"/>
+                                        <ns0:cTn id="6" dur="64182" fill="hold"/>
                                         <ns0:tgtEl>
                                           <ns0:spTgt spid="4"/>
                                         </ns0:tgtEl>
@@ -5216,6 +5339,20 @@
                   </ns0:par>
                 </ns0:childTnLst>
               </ns0:cTn>
+              <ns0:prevCondLst>
+                <ns0:cond evt="onPrev" delay="0">
+                  <ns0:tgtEl>
+                    <ns0:sldTgt/>
+                  </ns0:tgtEl>
+                </ns0:cond>
+              </ns0:prevCondLst>
+              <ns0:nextCondLst>
+                <ns0:cond evt="onNext" delay="0">
+                  <ns0:tgtEl>
+                    <ns0:sldTgt/>
+                  </ns0:tgtEl>
+                </ns0:cond>
+              </ns0:nextCondLst>
             </ns0:seq>
             <ns0:audio>
               <ns0:cMediaNode vol="80000">
@@ -5223,6 +5360,13 @@
                   <ns0:stCondLst>
                     <ns0:cond delay="indefinite"/>
                   </ns0:stCondLst>
+                  <ns0:endCondLst>
+                    <ns0:cond evt="onStopAudio" delay="0">
+                      <ns0:tgtEl>
+                        <ns0:sldTgt/>
+                      </ns0:tgtEl>
+                    </ns0:cond>
+                  </ns0:endCondLst>
                 </ns0:cTn>
                 <ns0:tgtEl>
                   <ns0:spTgt spid="4"/>
